--- a/TDI Interview.pptx
+++ b/TDI Interview.pptx
@@ -6504,8 +6504,13 @@
           <a:p>
             <a:r>
               <a:rPr lang="en-US" dirty="0"/>
-              <a:t>Data set: Online Retail data set which contains all the transactions occurring between 01/12/2010 and 09/12/2011 for a UK-based and registered non-store online retail </a:t>
-            </a:r>
+              <a:t>Data set: Online Retail data set which contains all the transactions occurring between 01/12/2010 and 09/12/2011 for a UK-based and registered non-store online retail for </a:t>
+            </a:r>
+            <a:r>
+              <a:rPr lang="en-US"/>
+              <a:t>541909 observations.</a:t>
+            </a:r>
+            <a:endParaRPr lang="en-US" dirty="0"/>
           </a:p>
           <a:p>
             <a:r>

--- a/TDI Interview.pptx
+++ b/TDI Interview.pptx
@@ -5,16 +5,17 @@
     <p:sldMasterId id="2147483648" r:id="rId1"/>
   </p:sldMasterIdLst>
   <p:notesMasterIdLst>
-    <p:notesMasterId r:id="rId9"/>
+    <p:notesMasterId r:id="rId10"/>
   </p:notesMasterIdLst>
   <p:sldIdLst>
     <p:sldId id="256" r:id="rId2"/>
     <p:sldId id="314" r:id="rId3"/>
     <p:sldId id="316" r:id="rId4"/>
     <p:sldId id="317" r:id="rId5"/>
-    <p:sldId id="315" r:id="rId6"/>
-    <p:sldId id="307" r:id="rId7"/>
-    <p:sldId id="297" r:id="rId8"/>
+    <p:sldId id="318" r:id="rId6"/>
+    <p:sldId id="315" r:id="rId7"/>
+    <p:sldId id="307" r:id="rId8"/>
+    <p:sldId id="297" r:id="rId9"/>
   </p:sldIdLst>
   <p:sldSz cx="12192000" cy="6858000"/>
   <p:notesSz cx="6858000" cy="9144000"/>
@@ -6710,18 +6711,6 @@
             </a:r>
           </a:p>
           <a:p>
-            <a:r>
-              <a:rPr lang="en-US" dirty="0"/>
-              <a:t>Code</a:t>
-            </a:r>
-          </a:p>
-          <a:p>
-            <a:r>
-              <a:rPr lang="en-US" dirty="0"/>
-              <a:t>After data cleaning I try to make contingency table but presently I face memory problem with R</a:t>
-            </a:r>
-          </a:p>
-          <a:p>
             <a:endParaRPr lang="en-US" dirty="0"/>
           </a:p>
         </p:txBody>
@@ -6756,36 +6745,6 @@
           </a:p>
         </p:txBody>
       </p:sp>
-      <p:pic>
-        <p:nvPicPr>
-          <p:cNvPr id="6" name="Picture 5">
-            <a:extLst>
-              <a:ext uri="{FF2B5EF4-FFF2-40B4-BE49-F238E27FC236}">
-                <a16:creationId xmlns:a16="http://schemas.microsoft.com/office/drawing/2014/main" id="{2DC93E13-AF5C-524E-8545-2EDD80B8B90A}"/>
-              </a:ext>
-            </a:extLst>
-          </p:cNvPr>
-          <p:cNvPicPr>
-            <a:picLocks noChangeAspect="1"/>
-          </p:cNvPicPr>
-          <p:nvPr/>
-        </p:nvPicPr>
-        <p:blipFill>
-          <a:blip r:embed="rId2"/>
-          <a:stretch>
-            <a:fillRect/>
-          </a:stretch>
-        </p:blipFill>
-        <p:spPr>
-          <a:xfrm>
-            <a:off x="2554081" y="5500025"/>
-            <a:ext cx="4406900" cy="482600"/>
-          </a:xfrm>
-          <a:prstGeom prst="rect">
-            <a:avLst/>
-          </a:prstGeom>
-        </p:spPr>
-      </p:pic>
     </p:spTree>
     <p:extLst>
       <p:ext uri="{BB962C8B-B14F-4D97-AF65-F5344CB8AC3E}">
@@ -6821,6 +6780,506 @@
           <p:cNvPr id="2" name="Title 1">
             <a:extLst>
               <a:ext uri="{FF2B5EF4-FFF2-40B4-BE49-F238E27FC236}">
+                <a16:creationId xmlns:a16="http://schemas.microsoft.com/office/drawing/2014/main" id="{376BF7D4-A9D4-7347-8993-87C093B02EFF}"/>
+              </a:ext>
+            </a:extLst>
+          </p:cNvPr>
+          <p:cNvSpPr>
+            <a:spLocks noGrp="1"/>
+          </p:cNvSpPr>
+          <p:nvPr>
+            <p:ph type="title"/>
+          </p:nvPr>
+        </p:nvSpPr>
+        <p:spPr/>
+        <p:txBody>
+          <a:bodyPr/>
+          <a:lstStyle/>
+          <a:p>
+            <a:r>
+              <a:rPr lang="en-US" dirty="0"/>
+              <a:t>Analysis</a:t>
+            </a:r>
+          </a:p>
+        </p:txBody>
+      </p:sp>
+      <p:sp>
+        <p:nvSpPr>
+          <p:cNvPr id="3" name="Content Placeholder 2">
+            <a:extLst>
+              <a:ext uri="{FF2B5EF4-FFF2-40B4-BE49-F238E27FC236}">
+                <a16:creationId xmlns:a16="http://schemas.microsoft.com/office/drawing/2014/main" id="{66FB051E-10D0-0749-AA92-9034E7C9E83E}"/>
+              </a:ext>
+            </a:extLst>
+          </p:cNvPr>
+          <p:cNvSpPr>
+            <a:spLocks noGrp="1"/>
+          </p:cNvSpPr>
+          <p:nvPr>
+            <p:ph idx="1"/>
+          </p:nvPr>
+        </p:nvSpPr>
+        <p:spPr>
+          <a:xfrm>
+            <a:off x="677334" y="1612800"/>
+            <a:ext cx="8596668" cy="3880773"/>
+          </a:xfrm>
+        </p:spPr>
+        <p:txBody>
+          <a:bodyPr/>
+          <a:lstStyle/>
+          <a:p>
+            <a:r>
+              <a:rPr lang="en-US" dirty="0"/>
+              <a:t>Cluster Analysis</a:t>
+            </a:r>
+          </a:p>
+          <a:p>
+            <a:endParaRPr lang="en-US" dirty="0"/>
+          </a:p>
+          <a:p>
+            <a:endParaRPr lang="en-US" dirty="0"/>
+          </a:p>
+          <a:p>
+            <a:endParaRPr lang="en-US" dirty="0"/>
+          </a:p>
+          <a:p>
+            <a:endParaRPr lang="en-US" dirty="0"/>
+          </a:p>
+          <a:p>
+            <a:endParaRPr lang="en-US" dirty="0"/>
+          </a:p>
+          <a:p>
+            <a:endParaRPr lang="en-US" dirty="0"/>
+          </a:p>
+          <a:p>
+            <a:r>
+              <a:rPr lang="en-US" dirty="0"/>
+              <a:t>Multivariate logistic regression</a:t>
+            </a:r>
+          </a:p>
+          <a:p>
+            <a:r>
+              <a:rPr lang="en-US" dirty="0"/>
+              <a:t>After data cleaning I try to make contingency table but presently I face memory problem with R</a:t>
+            </a:r>
+          </a:p>
+          <a:p>
+            <a:endParaRPr lang="en-US" dirty="0"/>
+          </a:p>
+          <a:p>
+            <a:endParaRPr lang="en-US" dirty="0"/>
+          </a:p>
+        </p:txBody>
+      </p:sp>
+      <p:sp>
+        <p:nvSpPr>
+          <p:cNvPr id="4" name="Slide Number Placeholder 3">
+            <a:extLst>
+              <a:ext uri="{FF2B5EF4-FFF2-40B4-BE49-F238E27FC236}">
+                <a16:creationId xmlns:a16="http://schemas.microsoft.com/office/drawing/2014/main" id="{58092733-1376-F94C-893D-F2F834341B04}"/>
+              </a:ext>
+            </a:extLst>
+          </p:cNvPr>
+          <p:cNvSpPr>
+            <a:spLocks noGrp="1"/>
+          </p:cNvSpPr>
+          <p:nvPr>
+            <p:ph type="sldNum" sz="quarter" idx="12"/>
+          </p:nvPr>
+        </p:nvSpPr>
+        <p:spPr/>
+        <p:txBody>
+          <a:bodyPr/>
+          <a:lstStyle/>
+          <a:p>
+            <a:fld id="{D57F1E4F-1CFF-5643-939E-217C01CDF565}" type="slidenum">
+              <a:rPr lang="en-US" smtClean="0"/>
+              <a:pPr/>
+              <a:t>5</a:t>
+            </a:fld>
+            <a:endParaRPr lang="en-US" dirty="0"/>
+          </a:p>
+        </p:txBody>
+      </p:sp>
+      <p:graphicFrame>
+        <p:nvGraphicFramePr>
+          <p:cNvPr id="5" name="Table 4">
+            <a:extLst>
+              <a:ext uri="{FF2B5EF4-FFF2-40B4-BE49-F238E27FC236}">
+                <a16:creationId xmlns:a16="http://schemas.microsoft.com/office/drawing/2014/main" id="{AA329BF0-2C07-844A-93D9-3EB960C2650D}"/>
+              </a:ext>
+            </a:extLst>
+          </p:cNvPr>
+          <p:cNvGraphicFramePr>
+            <a:graphicFrameLocks noGrp="1"/>
+          </p:cNvGraphicFramePr>
+          <p:nvPr>
+            <p:extLst>
+              <p:ext uri="{D42A27DB-BD31-4B8C-83A1-F6EECF244321}">
+                <p14:modId xmlns:p14="http://schemas.microsoft.com/office/powerpoint/2010/main" val="793123556"/>
+              </p:ext>
+            </p:extLst>
+          </p:nvPr>
+        </p:nvGraphicFramePr>
+        <p:xfrm>
+          <a:off x="1146002" y="2111144"/>
+          <a:ext cx="8128000" cy="2225040"/>
+        </p:xfrm>
+        <a:graphic>
+          <a:graphicData uri="http://schemas.openxmlformats.org/drawingml/2006/table">
+            <a:tbl>
+              <a:tblPr firstRow="1" bandRow="1">
+                <a:tableStyleId>{5C22544A-7EE6-4342-B048-85BDC9FD1C3A}</a:tableStyleId>
+              </a:tblPr>
+              <a:tblGrid>
+                <a:gridCol w="1332155">
+                  <a:extLst>
+                    <a:ext uri="{9D8B030D-6E8A-4147-A177-3AD203B41FA5}">
+                      <a16:colId xmlns:a16="http://schemas.microsoft.com/office/drawing/2014/main" val="725847227"/>
+                    </a:ext>
+                  </a:extLst>
+                </a:gridCol>
+                <a:gridCol w="6795845">
+                  <a:extLst>
+                    <a:ext uri="{9D8B030D-6E8A-4147-A177-3AD203B41FA5}">
+                      <a16:colId xmlns:a16="http://schemas.microsoft.com/office/drawing/2014/main" val="2383037363"/>
+                    </a:ext>
+                  </a:extLst>
+                </a:gridCol>
+              </a:tblGrid>
+              <a:tr h="370840">
+                <a:tc>
+                  <a:txBody>
+                    <a:bodyPr/>
+                    <a:lstStyle/>
+                    <a:p>
+                      <a:r>
+                        <a:rPr lang="en-US" dirty="0"/>
+                        <a:t>Cluster</a:t>
+                      </a:r>
+                    </a:p>
+                  </a:txBody>
+                  <a:tcPr/>
+                </a:tc>
+                <a:tc>
+                  <a:txBody>
+                    <a:bodyPr/>
+                    <a:lstStyle/>
+                    <a:p>
+                      <a:r>
+                        <a:rPr lang="en-US" dirty="0"/>
+                        <a:t>Description</a:t>
+                      </a:r>
+                    </a:p>
+                  </a:txBody>
+                  <a:tcPr/>
+                </a:tc>
+                <a:extLst>
+                  <a:ext uri="{0D108BD9-81ED-4DB2-BD59-A6C34878D82A}">
+                    <a16:rowId xmlns:a16="http://schemas.microsoft.com/office/drawing/2014/main" val="1338881164"/>
+                  </a:ext>
+                </a:extLst>
+              </a:tr>
+              <a:tr h="370840">
+                <a:tc>
+                  <a:txBody>
+                    <a:bodyPr/>
+                    <a:lstStyle/>
+                    <a:p>
+                      <a:r>
+                        <a:rPr lang="en-US" dirty="0"/>
+                        <a:t>1</a:t>
+                      </a:r>
+                    </a:p>
+                  </a:txBody>
+                  <a:tcPr/>
+                </a:tc>
+                <a:tc>
+                  <a:txBody>
+                    <a:bodyPr/>
+                    <a:lstStyle/>
+                    <a:p>
+                      <a:r>
+                        <a:rPr lang="en-US" dirty="0"/>
+                        <a:t>Buy only In February </a:t>
+                      </a:r>
+                      <a:r>
+                        <a:rPr lang="en-US" sz="1800" kern="1200" dirty="0">
+                          <a:solidFill>
+                            <a:schemeClr val="dk1"/>
+                          </a:solidFill>
+                          <a:effectLst/>
+                          <a:latin typeface="+mn-lt"/>
+                          <a:ea typeface="+mn-ea"/>
+                          <a:cs typeface="+mn-cs"/>
+                        </a:rPr>
+                        <a:t>77184$/month</a:t>
+                      </a:r>
+                      <a:endParaRPr lang="en-US" dirty="0"/>
+                    </a:p>
+                  </a:txBody>
+                  <a:tcPr/>
+                </a:tc>
+                <a:extLst>
+                  <a:ext uri="{0D108BD9-81ED-4DB2-BD59-A6C34878D82A}">
+                    <a16:rowId xmlns:a16="http://schemas.microsoft.com/office/drawing/2014/main" val="2231670632"/>
+                  </a:ext>
+                </a:extLst>
+              </a:tr>
+              <a:tr h="370840">
+                <a:tc>
+                  <a:txBody>
+                    <a:bodyPr/>
+                    <a:lstStyle/>
+                    <a:p>
+                      <a:r>
+                        <a:rPr lang="en-US" dirty="0"/>
+                        <a:t>2</a:t>
+                      </a:r>
+                    </a:p>
+                  </a:txBody>
+                  <a:tcPr/>
+                </a:tc>
+                <a:tc>
+                  <a:txBody>
+                    <a:bodyPr/>
+                    <a:lstStyle/>
+                    <a:p>
+                      <a:r>
+                        <a:rPr lang="en-US" dirty="0"/>
+                        <a:t>8 months of interaction </a:t>
+                      </a:r>
+                      <a:r>
+                        <a:rPr lang="en-US" sz="1800" kern="1200" dirty="0">
+                          <a:solidFill>
+                            <a:schemeClr val="dk1"/>
+                          </a:solidFill>
+                          <a:effectLst/>
+                          <a:latin typeface="+mn-lt"/>
+                          <a:ea typeface="+mn-ea"/>
+                          <a:cs typeface="+mn-cs"/>
+                        </a:rPr>
+                        <a:t>299$/month</a:t>
+                      </a:r>
+                      <a:endParaRPr lang="en-US" dirty="0"/>
+                    </a:p>
+                  </a:txBody>
+                  <a:tcPr/>
+                </a:tc>
+                <a:extLst>
+                  <a:ext uri="{0D108BD9-81ED-4DB2-BD59-A6C34878D82A}">
+                    <a16:rowId xmlns:a16="http://schemas.microsoft.com/office/drawing/2014/main" val="2006245147"/>
+                  </a:ext>
+                </a:extLst>
+              </a:tr>
+              <a:tr h="370840">
+                <a:tc>
+                  <a:txBody>
+                    <a:bodyPr/>
+                    <a:lstStyle/>
+                    <a:p>
+                      <a:r>
+                        <a:rPr lang="en-US" dirty="0"/>
+                        <a:t>3</a:t>
+                      </a:r>
+                    </a:p>
+                  </a:txBody>
+                  <a:tcPr/>
+                </a:tc>
+                <a:tc>
+                  <a:txBody>
+                    <a:bodyPr/>
+                    <a:lstStyle/>
+                    <a:p>
+                      <a:r>
+                        <a:rPr lang="en-US" dirty="0"/>
+                        <a:t>2 months interaction </a:t>
+                      </a:r>
+                      <a:r>
+                        <a:rPr lang="en-US" sz="1800" kern="1200" dirty="0">
+                          <a:solidFill>
+                            <a:schemeClr val="dk1"/>
+                          </a:solidFill>
+                          <a:effectLst/>
+                          <a:latin typeface="+mn-lt"/>
+                          <a:ea typeface="+mn-ea"/>
+                          <a:cs typeface="+mn-cs"/>
+                        </a:rPr>
+                        <a:t>367$/month</a:t>
+                      </a:r>
+                      <a:endParaRPr lang="en-US" dirty="0"/>
+                    </a:p>
+                  </a:txBody>
+                  <a:tcPr/>
+                </a:tc>
+                <a:extLst>
+                  <a:ext uri="{0D108BD9-81ED-4DB2-BD59-A6C34878D82A}">
+                    <a16:rowId xmlns:a16="http://schemas.microsoft.com/office/drawing/2014/main" val="653950976"/>
+                  </a:ext>
+                </a:extLst>
+              </a:tr>
+              <a:tr h="370840">
+                <a:tc>
+                  <a:txBody>
+                    <a:bodyPr/>
+                    <a:lstStyle/>
+                    <a:p>
+                      <a:r>
+                        <a:rPr lang="en-US" dirty="0"/>
+                        <a:t>4</a:t>
+                      </a:r>
+                    </a:p>
+                  </a:txBody>
+                  <a:tcPr/>
+                </a:tc>
+                <a:tc>
+                  <a:txBody>
+                    <a:bodyPr/>
+                    <a:lstStyle/>
+                    <a:p>
+                      <a:r>
+                        <a:rPr lang="en-US" dirty="0"/>
+                        <a:t>12  Month of interaction  </a:t>
+                      </a:r>
+                      <a:r>
+                        <a:rPr lang="en-US" sz="1800" kern="1200" dirty="0">
+                          <a:solidFill>
+                            <a:schemeClr val="dk1"/>
+                          </a:solidFill>
+                          <a:effectLst/>
+                          <a:latin typeface="+mn-lt"/>
+                          <a:ea typeface="+mn-ea"/>
+                          <a:cs typeface="+mn-cs"/>
+                        </a:rPr>
+                        <a:t>709$/month</a:t>
+                      </a:r>
+                      <a:endParaRPr lang="en-US" dirty="0"/>
+                    </a:p>
+                  </a:txBody>
+                  <a:tcPr/>
+                </a:tc>
+                <a:extLst>
+                  <a:ext uri="{0D108BD9-81ED-4DB2-BD59-A6C34878D82A}">
+                    <a16:rowId xmlns:a16="http://schemas.microsoft.com/office/drawing/2014/main" val="3474672122"/>
+                  </a:ext>
+                </a:extLst>
+              </a:tr>
+              <a:tr h="370840">
+                <a:tc>
+                  <a:txBody>
+                    <a:bodyPr/>
+                    <a:lstStyle/>
+                    <a:p>
+                      <a:r>
+                        <a:rPr lang="en-US" dirty="0"/>
+                        <a:t>5</a:t>
+                      </a:r>
+                    </a:p>
+                  </a:txBody>
+                  <a:tcPr/>
+                </a:tc>
+                <a:tc>
+                  <a:txBody>
+                    <a:bodyPr/>
+                    <a:lstStyle/>
+                    <a:p>
+                      <a:r>
+                        <a:rPr lang="en-US" dirty="0"/>
+                        <a:t>Last 4 months of year </a:t>
+                      </a:r>
+                      <a:r>
+                        <a:rPr lang="en-US" sz="1800" kern="1200" dirty="0">
+                          <a:solidFill>
+                            <a:schemeClr val="dk1"/>
+                          </a:solidFill>
+                          <a:effectLst/>
+                          <a:latin typeface="+mn-lt"/>
+                          <a:ea typeface="+mn-ea"/>
+                          <a:cs typeface="+mn-cs"/>
+                        </a:rPr>
+                        <a:t>14057$/month</a:t>
+                      </a:r>
+                      <a:endParaRPr lang="en-US" dirty="0"/>
+                    </a:p>
+                  </a:txBody>
+                  <a:tcPr/>
+                </a:tc>
+                <a:extLst>
+                  <a:ext uri="{0D108BD9-81ED-4DB2-BD59-A6C34878D82A}">
+                    <a16:rowId xmlns:a16="http://schemas.microsoft.com/office/drawing/2014/main" val="1607147932"/>
+                  </a:ext>
+                </a:extLst>
+              </a:tr>
+            </a:tbl>
+          </a:graphicData>
+        </a:graphic>
+      </p:graphicFrame>
+      <p:pic>
+        <p:nvPicPr>
+          <p:cNvPr id="6" name="Picture 5">
+            <a:extLst>
+              <a:ext uri="{FF2B5EF4-FFF2-40B4-BE49-F238E27FC236}">
+                <a16:creationId xmlns:a16="http://schemas.microsoft.com/office/drawing/2014/main" id="{4E66169F-9A60-724E-85E9-0A3AB6EDABC7}"/>
+              </a:ext>
+            </a:extLst>
+          </p:cNvPr>
+          <p:cNvPicPr>
+            <a:picLocks noChangeAspect="1"/>
+          </p:cNvPicPr>
+          <p:nvPr/>
+        </p:nvPicPr>
+        <p:blipFill>
+          <a:blip r:embed="rId2"/>
+          <a:stretch>
+            <a:fillRect/>
+          </a:stretch>
+        </p:blipFill>
+        <p:spPr>
+          <a:xfrm>
+            <a:off x="2487820" y="5674317"/>
+            <a:ext cx="4406900" cy="482600"/>
+          </a:xfrm>
+          <a:prstGeom prst="rect">
+            <a:avLst/>
+          </a:prstGeom>
+        </p:spPr>
+      </p:pic>
+    </p:spTree>
+    <p:extLst>
+      <p:ext uri="{BB962C8B-B14F-4D97-AF65-F5344CB8AC3E}">
+        <p14:creationId xmlns:p14="http://schemas.microsoft.com/office/powerpoint/2010/main" val="1140365373"/>
+      </p:ext>
+    </p:extLst>
+  </p:cSld>
+  <p:clrMapOvr>
+    <a:masterClrMapping/>
+  </p:clrMapOvr>
+</p:sld>
+</file>
+
+<file path=ppt/slides/slide6.xml><?xml version="1.0" encoding="utf-8"?>
+<p:sld xmlns:a="http://schemas.openxmlformats.org/drawingml/2006/main" xmlns:r="http://schemas.openxmlformats.org/officeDocument/2006/relationships" xmlns:p="http://schemas.openxmlformats.org/presentationml/2006/main">
+  <p:cSld>
+    <p:spTree>
+      <p:nvGrpSpPr>
+        <p:cNvPr id="1" name=""/>
+        <p:cNvGrpSpPr/>
+        <p:nvPr/>
+      </p:nvGrpSpPr>
+      <p:grpSpPr>
+        <a:xfrm>
+          <a:off x="0" y="0"/>
+          <a:ext cx="0" cy="0"/>
+          <a:chOff x="0" y="0"/>
+          <a:chExt cx="0" cy="0"/>
+        </a:xfrm>
+      </p:grpSpPr>
+      <p:sp>
+        <p:nvSpPr>
+          <p:cNvPr id="2" name="Title 1">
+            <a:extLst>
+              <a:ext uri="{FF2B5EF4-FFF2-40B4-BE49-F238E27FC236}">
                 <a16:creationId xmlns:a16="http://schemas.microsoft.com/office/drawing/2014/main" id="{39CF8AC0-1DD9-9E45-A287-6D39BA3654A9}"/>
               </a:ext>
             </a:extLst>
@@ -6896,7 +7355,7 @@
             <a:fld id="{D57F1E4F-1CFF-5643-939E-217C01CDF565}" type="slidenum">
               <a:rPr lang="en-US" smtClean="0"/>
               <a:pPr/>
-              <a:t>5</a:t>
+              <a:t>6</a:t>
             </a:fld>
             <a:endParaRPr lang="en-US" dirty="0"/>
           </a:p>
@@ -7455,235 +7914,6 @@
 </p:sld>
 </file>
 
-<file path=ppt/slides/slide6.xml><?xml version="1.0" encoding="utf-8"?>
-<p:sld xmlns:a="http://schemas.openxmlformats.org/drawingml/2006/main" xmlns:r="http://schemas.openxmlformats.org/officeDocument/2006/relationships" xmlns:p="http://schemas.openxmlformats.org/presentationml/2006/main">
-  <p:cSld>
-    <p:spTree>
-      <p:nvGrpSpPr>
-        <p:cNvPr id="1" name=""/>
-        <p:cNvGrpSpPr/>
-        <p:nvPr/>
-      </p:nvGrpSpPr>
-      <p:grpSpPr>
-        <a:xfrm>
-          <a:off x="0" y="0"/>
-          <a:ext cx="0" cy="0"/>
-          <a:chOff x="0" y="0"/>
-          <a:chExt cx="0" cy="0"/>
-        </a:xfrm>
-      </p:grpSpPr>
-      <p:sp>
-        <p:nvSpPr>
-          <p:cNvPr id="2" name="Title 1">
-            <a:extLst>
-              <a:ext uri="{FF2B5EF4-FFF2-40B4-BE49-F238E27FC236}">
-                <a16:creationId xmlns:a16="http://schemas.microsoft.com/office/drawing/2014/main" id="{99539A43-6B12-8541-94B9-3716A4208769}"/>
-              </a:ext>
-            </a:extLst>
-          </p:cNvPr>
-          <p:cNvSpPr>
-            <a:spLocks noGrp="1"/>
-          </p:cNvSpPr>
-          <p:nvPr>
-            <p:ph type="title"/>
-          </p:nvPr>
-        </p:nvSpPr>
-        <p:spPr>
-          <a:xfrm>
-            <a:off x="677334" y="609600"/>
-            <a:ext cx="8596668" cy="708561"/>
-          </a:xfrm>
-        </p:spPr>
-        <p:txBody>
-          <a:bodyPr/>
-          <a:lstStyle/>
-          <a:p>
-            <a:r>
-              <a:rPr lang="en-US" dirty="0"/>
-              <a:t>Procedures</a:t>
-            </a:r>
-          </a:p>
-        </p:txBody>
-      </p:sp>
-      <p:sp>
-        <p:nvSpPr>
-          <p:cNvPr id="3" name="Content Placeholder 2">
-            <a:extLst>
-              <a:ext uri="{FF2B5EF4-FFF2-40B4-BE49-F238E27FC236}">
-                <a16:creationId xmlns:a16="http://schemas.microsoft.com/office/drawing/2014/main" id="{989B70F6-0AC6-7F4F-9387-09275AFC8D82}"/>
-              </a:ext>
-            </a:extLst>
-          </p:cNvPr>
-          <p:cNvSpPr>
-            <a:spLocks noGrp="1"/>
-          </p:cNvSpPr>
-          <p:nvPr>
-            <p:ph idx="1"/>
-          </p:nvPr>
-        </p:nvSpPr>
-        <p:spPr>
-          <a:xfrm>
-            <a:off x="677334" y="1463041"/>
-            <a:ext cx="8596668" cy="4578322"/>
-          </a:xfrm>
-        </p:spPr>
-        <p:txBody>
-          <a:bodyPr>
-            <a:normAutofit/>
-          </a:bodyPr>
-          <a:lstStyle/>
-          <a:p>
-            <a:pPr>
-              <a:buFont typeface="+mj-lt"/>
-              <a:buAutoNum type="arabicPeriod"/>
-            </a:pPr>
-            <a:r>
-              <a:rPr lang="en-US" dirty="0"/>
-              <a:t>Mathematica code was developed to simulate transmission formula at different particle parameters:</a:t>
-            </a:r>
-          </a:p>
-          <a:p>
-            <a:pPr lvl="1"/>
-            <a:r>
-              <a:rPr lang="en-US" dirty="0"/>
-              <a:t>Properties of particles:</a:t>
-            </a:r>
-          </a:p>
-          <a:p>
-            <a:pPr lvl="2"/>
-            <a:r>
-              <a:rPr lang="en-US" dirty="0"/>
-              <a:t>Size (R): 1-95 nm with 5 nm interval</a:t>
-            </a:r>
-          </a:p>
-          <a:p>
-            <a:pPr lvl="2"/>
-            <a:r>
-              <a:rPr lang="en-US" dirty="0"/>
-              <a:t>Real part of the refractive index (</a:t>
-            </a:r>
-            <a:r>
-              <a:rPr lang="en-US" dirty="0" err="1"/>
-              <a:t>np</a:t>
-            </a:r>
-            <a:r>
-              <a:rPr lang="en-US" baseline="-25000" dirty="0" err="1"/>
-              <a:t>r</a:t>
-            </a:r>
-            <a:r>
-              <a:rPr lang="en-US" dirty="0"/>
-              <a:t>): 1-2 with 0.05 interval</a:t>
-            </a:r>
-          </a:p>
-          <a:p>
-            <a:pPr lvl="2"/>
-            <a:r>
-              <a:rPr lang="en-US" dirty="0"/>
-              <a:t>100 repetitions for each (R, </a:t>
-            </a:r>
-            <a:r>
-              <a:rPr lang="en-US" dirty="0" err="1"/>
-              <a:t>np</a:t>
-            </a:r>
-            <a:r>
-              <a:rPr lang="en-US" baseline="-25000" dirty="0" err="1"/>
-              <a:t>r</a:t>
-            </a:r>
-            <a:r>
-              <a:rPr lang="en-US" dirty="0"/>
-              <a:t>) combination</a:t>
-            </a:r>
-          </a:p>
-          <a:p>
-            <a:pPr lvl="1"/>
-            <a:r>
-              <a:rPr lang="en-US" dirty="0"/>
-              <a:t>Computed parameters: </a:t>
-            </a:r>
-          </a:p>
-          <a:p>
-            <a:pPr lvl="2"/>
-            <a:r>
-              <a:rPr lang="en-US" dirty="0"/>
-              <a:t>Full transmission curves</a:t>
-            </a:r>
-          </a:p>
-          <a:p>
-            <a:pPr>
-              <a:buFont typeface="+mj-lt"/>
-              <a:buAutoNum type="arabicPeriod"/>
-            </a:pPr>
-            <a:r>
-              <a:rPr lang="en-US" dirty="0"/>
-              <a:t>Finding Principal Components for transmission curves</a:t>
-            </a:r>
-          </a:p>
-          <a:p>
-            <a:pPr>
-              <a:buFont typeface="+mj-lt"/>
-              <a:buAutoNum type="arabicPeriod"/>
-            </a:pPr>
-            <a:r>
-              <a:rPr lang="en-US" dirty="0"/>
-              <a:t>Applying Discriminant analysis to classify them based on R and </a:t>
-            </a:r>
-            <a:r>
-              <a:rPr lang="en-US" dirty="0" err="1"/>
-              <a:t>npr</a:t>
-            </a:r>
-            <a:endParaRPr lang="en-US" dirty="0"/>
-          </a:p>
-          <a:p>
-            <a:r>
-              <a:rPr lang="en-US" dirty="0"/>
-              <a:t>Results: Discriminant Analysis can classify transmission curves with overall error rate 10% for particle sizes ranging 20-70 nm.</a:t>
-            </a:r>
-          </a:p>
-        </p:txBody>
-      </p:sp>
-      <p:sp>
-        <p:nvSpPr>
-          <p:cNvPr id="4" name="Slide Number Placeholder 3">
-            <a:extLst>
-              <a:ext uri="{FF2B5EF4-FFF2-40B4-BE49-F238E27FC236}">
-                <a16:creationId xmlns:a16="http://schemas.microsoft.com/office/drawing/2014/main" id="{43D5A415-D8B6-9741-88C8-E6FFB5DE8525}"/>
-              </a:ext>
-            </a:extLst>
-          </p:cNvPr>
-          <p:cNvSpPr>
-            <a:spLocks noGrp="1"/>
-          </p:cNvSpPr>
-          <p:nvPr>
-            <p:ph type="sldNum" sz="quarter" idx="12"/>
-          </p:nvPr>
-        </p:nvSpPr>
-        <p:spPr/>
-        <p:txBody>
-          <a:bodyPr/>
-          <a:lstStyle/>
-          <a:p>
-            <a:fld id="{D57F1E4F-1CFF-5643-939E-217C01CDF565}" type="slidenum">
-              <a:rPr lang="en-US" smtClean="0"/>
-              <a:pPr/>
-              <a:t>6</a:t>
-            </a:fld>
-            <a:endParaRPr lang="en-US" dirty="0"/>
-          </a:p>
-        </p:txBody>
-      </p:sp>
-    </p:spTree>
-    <p:extLst>
-      <p:ext uri="{BB962C8B-B14F-4D97-AF65-F5344CB8AC3E}">
-        <p14:creationId xmlns:p14="http://schemas.microsoft.com/office/powerpoint/2010/main" val="1060137143"/>
-      </p:ext>
-    </p:extLst>
-  </p:cSld>
-  <p:clrMapOvr>
-    <a:masterClrMapping/>
-  </p:clrMapOvr>
-</p:sld>
-</file>
-
 <file path=ppt/slides/slide7.xml><?xml version="1.0" encoding="utf-8"?>
 <p:sld xmlns:a="http://schemas.openxmlformats.org/drawingml/2006/main" xmlns:r="http://schemas.openxmlformats.org/officeDocument/2006/relationships" xmlns:p="http://schemas.openxmlformats.org/presentationml/2006/main">
   <p:cSld>
@@ -7706,6 +7936,235 @@
           <p:cNvPr id="2" name="Title 1">
             <a:extLst>
               <a:ext uri="{FF2B5EF4-FFF2-40B4-BE49-F238E27FC236}">
+                <a16:creationId xmlns:a16="http://schemas.microsoft.com/office/drawing/2014/main" id="{99539A43-6B12-8541-94B9-3716A4208769}"/>
+              </a:ext>
+            </a:extLst>
+          </p:cNvPr>
+          <p:cNvSpPr>
+            <a:spLocks noGrp="1"/>
+          </p:cNvSpPr>
+          <p:nvPr>
+            <p:ph type="title"/>
+          </p:nvPr>
+        </p:nvSpPr>
+        <p:spPr>
+          <a:xfrm>
+            <a:off x="677334" y="609600"/>
+            <a:ext cx="8596668" cy="708561"/>
+          </a:xfrm>
+        </p:spPr>
+        <p:txBody>
+          <a:bodyPr/>
+          <a:lstStyle/>
+          <a:p>
+            <a:r>
+              <a:rPr lang="en-US" dirty="0"/>
+              <a:t>Procedures</a:t>
+            </a:r>
+          </a:p>
+        </p:txBody>
+      </p:sp>
+      <p:sp>
+        <p:nvSpPr>
+          <p:cNvPr id="3" name="Content Placeholder 2">
+            <a:extLst>
+              <a:ext uri="{FF2B5EF4-FFF2-40B4-BE49-F238E27FC236}">
+                <a16:creationId xmlns:a16="http://schemas.microsoft.com/office/drawing/2014/main" id="{989B70F6-0AC6-7F4F-9387-09275AFC8D82}"/>
+              </a:ext>
+            </a:extLst>
+          </p:cNvPr>
+          <p:cNvSpPr>
+            <a:spLocks noGrp="1"/>
+          </p:cNvSpPr>
+          <p:nvPr>
+            <p:ph idx="1"/>
+          </p:nvPr>
+        </p:nvSpPr>
+        <p:spPr>
+          <a:xfrm>
+            <a:off x="677334" y="1463041"/>
+            <a:ext cx="8596668" cy="4578322"/>
+          </a:xfrm>
+        </p:spPr>
+        <p:txBody>
+          <a:bodyPr>
+            <a:normAutofit/>
+          </a:bodyPr>
+          <a:lstStyle/>
+          <a:p>
+            <a:pPr>
+              <a:buFont typeface="+mj-lt"/>
+              <a:buAutoNum type="arabicPeriod"/>
+            </a:pPr>
+            <a:r>
+              <a:rPr lang="en-US" dirty="0"/>
+              <a:t>Mathematica code was developed to simulate transmission formula at different particle parameters:</a:t>
+            </a:r>
+          </a:p>
+          <a:p>
+            <a:pPr lvl="1"/>
+            <a:r>
+              <a:rPr lang="en-US" dirty="0"/>
+              <a:t>Properties of particles:</a:t>
+            </a:r>
+          </a:p>
+          <a:p>
+            <a:pPr lvl="2"/>
+            <a:r>
+              <a:rPr lang="en-US" dirty="0"/>
+              <a:t>Size (R): 1-95 nm with 5 nm interval</a:t>
+            </a:r>
+          </a:p>
+          <a:p>
+            <a:pPr lvl="2"/>
+            <a:r>
+              <a:rPr lang="en-US" dirty="0"/>
+              <a:t>Real part of the refractive index (</a:t>
+            </a:r>
+            <a:r>
+              <a:rPr lang="en-US" dirty="0" err="1"/>
+              <a:t>np</a:t>
+            </a:r>
+            <a:r>
+              <a:rPr lang="en-US" baseline="-25000" dirty="0" err="1"/>
+              <a:t>r</a:t>
+            </a:r>
+            <a:r>
+              <a:rPr lang="en-US" dirty="0"/>
+              <a:t>): 1-2 with 0.05 interval</a:t>
+            </a:r>
+          </a:p>
+          <a:p>
+            <a:pPr lvl="2"/>
+            <a:r>
+              <a:rPr lang="en-US" dirty="0"/>
+              <a:t>100 repetitions for each (R, </a:t>
+            </a:r>
+            <a:r>
+              <a:rPr lang="en-US" dirty="0" err="1"/>
+              <a:t>np</a:t>
+            </a:r>
+            <a:r>
+              <a:rPr lang="en-US" baseline="-25000" dirty="0" err="1"/>
+              <a:t>r</a:t>
+            </a:r>
+            <a:r>
+              <a:rPr lang="en-US" dirty="0"/>
+              <a:t>) combination</a:t>
+            </a:r>
+          </a:p>
+          <a:p>
+            <a:pPr lvl="1"/>
+            <a:r>
+              <a:rPr lang="en-US" dirty="0"/>
+              <a:t>Computed parameters: </a:t>
+            </a:r>
+          </a:p>
+          <a:p>
+            <a:pPr lvl="2"/>
+            <a:r>
+              <a:rPr lang="en-US" dirty="0"/>
+              <a:t>Full transmission curves</a:t>
+            </a:r>
+          </a:p>
+          <a:p>
+            <a:pPr>
+              <a:buFont typeface="+mj-lt"/>
+              <a:buAutoNum type="arabicPeriod"/>
+            </a:pPr>
+            <a:r>
+              <a:rPr lang="en-US" dirty="0"/>
+              <a:t>Finding Principal Components for transmission curves</a:t>
+            </a:r>
+          </a:p>
+          <a:p>
+            <a:pPr>
+              <a:buFont typeface="+mj-lt"/>
+              <a:buAutoNum type="arabicPeriod"/>
+            </a:pPr>
+            <a:r>
+              <a:rPr lang="en-US" dirty="0"/>
+              <a:t>Applying Discriminant analysis to classify them based on R and </a:t>
+            </a:r>
+            <a:r>
+              <a:rPr lang="en-US" dirty="0" err="1"/>
+              <a:t>npr</a:t>
+            </a:r>
+            <a:endParaRPr lang="en-US" dirty="0"/>
+          </a:p>
+          <a:p>
+            <a:r>
+              <a:rPr lang="en-US" dirty="0"/>
+              <a:t>Results: Discriminant Analysis can classify transmission curves with overall error rate 10% for particle sizes ranging 20-70 nm.</a:t>
+            </a:r>
+          </a:p>
+        </p:txBody>
+      </p:sp>
+      <p:sp>
+        <p:nvSpPr>
+          <p:cNvPr id="4" name="Slide Number Placeholder 3">
+            <a:extLst>
+              <a:ext uri="{FF2B5EF4-FFF2-40B4-BE49-F238E27FC236}">
+                <a16:creationId xmlns:a16="http://schemas.microsoft.com/office/drawing/2014/main" id="{43D5A415-D8B6-9741-88C8-E6FFB5DE8525}"/>
+              </a:ext>
+            </a:extLst>
+          </p:cNvPr>
+          <p:cNvSpPr>
+            <a:spLocks noGrp="1"/>
+          </p:cNvSpPr>
+          <p:nvPr>
+            <p:ph type="sldNum" sz="quarter" idx="12"/>
+          </p:nvPr>
+        </p:nvSpPr>
+        <p:spPr/>
+        <p:txBody>
+          <a:bodyPr/>
+          <a:lstStyle/>
+          <a:p>
+            <a:fld id="{D57F1E4F-1CFF-5643-939E-217C01CDF565}" type="slidenum">
+              <a:rPr lang="en-US" smtClean="0"/>
+              <a:pPr/>
+              <a:t>7</a:t>
+            </a:fld>
+            <a:endParaRPr lang="en-US" dirty="0"/>
+          </a:p>
+        </p:txBody>
+      </p:sp>
+    </p:spTree>
+    <p:extLst>
+      <p:ext uri="{BB962C8B-B14F-4D97-AF65-F5344CB8AC3E}">
+        <p14:creationId xmlns:p14="http://schemas.microsoft.com/office/powerpoint/2010/main" val="1060137143"/>
+      </p:ext>
+    </p:extLst>
+  </p:cSld>
+  <p:clrMapOvr>
+    <a:masterClrMapping/>
+  </p:clrMapOvr>
+</p:sld>
+</file>
+
+<file path=ppt/slides/slide8.xml><?xml version="1.0" encoding="utf-8"?>
+<p:sld xmlns:a="http://schemas.openxmlformats.org/drawingml/2006/main" xmlns:r="http://schemas.openxmlformats.org/officeDocument/2006/relationships" xmlns:p="http://schemas.openxmlformats.org/presentationml/2006/main">
+  <p:cSld>
+    <p:spTree>
+      <p:nvGrpSpPr>
+        <p:cNvPr id="1" name=""/>
+        <p:cNvGrpSpPr/>
+        <p:nvPr/>
+      </p:nvGrpSpPr>
+      <p:grpSpPr>
+        <a:xfrm>
+          <a:off x="0" y="0"/>
+          <a:ext cx="0" cy="0"/>
+          <a:chOff x="0" y="0"/>
+          <a:chExt cx="0" cy="0"/>
+        </a:xfrm>
+      </p:grpSpPr>
+      <p:sp>
+        <p:nvSpPr>
+          <p:cNvPr id="2" name="Title 1">
+            <a:extLst>
+              <a:ext uri="{FF2B5EF4-FFF2-40B4-BE49-F238E27FC236}">
                 <a16:creationId xmlns:a16="http://schemas.microsoft.com/office/drawing/2014/main" id="{B329CF0E-534E-8D45-B497-1438CDD1E35E}"/>
               </a:ext>
             </a:extLst>
@@ -7778,7 +8237,7 @@
             <a:fld id="{D57F1E4F-1CFF-5643-939E-217C01CDF565}" type="slidenum">
               <a:rPr lang="en-US" smtClean="0"/>
               <a:pPr/>
-              <a:t>7</a:t>
+              <a:t>8</a:t>
             </a:fld>
             <a:endParaRPr lang="en-US" dirty="0"/>
           </a:p>
